--- a/spring/docs/05-spring-rest.pptx
+++ b/spring/docs/05-spring-rest.pptx
@@ -195,7 +195,7 @@
           <a:p>
             <a:fld id="{D6CB015B-B7FF-4093-8E19-9AD7339689D2}" type="datetimeFigureOut">
               <a:rPr lang="zh-CN" altLang="en-US" smtClean="0"/>
-              <a:t>2017/12/19</a:t>
+              <a:t>2017/12/20</a:t>
             </a:fld>
             <a:endParaRPr lang="zh-CN" altLang="en-US"/>
           </a:p>
@@ -2165,7 +2165,7 @@
             <a:fld id="{B35E7478-ADE7-4480-A214-01473DFE0029}" type="datetimeFigureOut">
               <a:rPr lang="zh-CN" altLang="en-US" smtClean="0"/>
               <a:pPr/>
-              <a:t>2017/12/19</a:t>
+              <a:t>2017/12/20</a:t>
             </a:fld>
             <a:endParaRPr lang="zh-CN" altLang="en-US"/>
           </a:p>
@@ -6030,7 +6030,7 @@
             <a:fld id="{B35E7478-ADE7-4480-A214-01473DFE0029}" type="datetimeFigureOut">
               <a:rPr lang="zh-CN" altLang="en-US" smtClean="0"/>
               <a:pPr/>
-              <a:t>2017/12/19</a:t>
+              <a:t>2017/12/20</a:t>
             </a:fld>
             <a:endParaRPr lang="zh-CN" altLang="en-US"/>
           </a:p>
@@ -7698,7 +7698,7 @@
             <a:fld id="{B35E7478-ADE7-4480-A214-01473DFE0029}" type="datetimeFigureOut">
               <a:rPr lang="zh-CN" altLang="en-US" smtClean="0"/>
               <a:pPr/>
-              <a:t>2017/12/19</a:t>
+              <a:t>2017/12/20</a:t>
             </a:fld>
             <a:endParaRPr lang="zh-CN" altLang="en-US"/>
           </a:p>
@@ -12002,7 +12002,7 @@
                 </a:solidFill>
               </a:rPr>
               <a:pPr/>
-              <a:t>2017/12/19</a:t>
+              <a:t>2017/12/20</a:t>
             </a:fld>
             <a:endParaRPr lang="zh-CN" altLang="en-US">
               <a:solidFill>
@@ -15920,7 +15920,7 @@
                 </a:solidFill>
               </a:rPr>
               <a:pPr/>
-              <a:t>2017/12/19</a:t>
+              <a:t>2017/12/20</a:t>
             </a:fld>
             <a:endParaRPr lang="zh-CN" altLang="en-US">
               <a:solidFill>
@@ -21771,7 +21771,7 @@
                 </a:solidFill>
               </a:rPr>
               <a:pPr/>
-              <a:t>2017/12/19</a:t>
+              <a:t>2017/12/20</a:t>
             </a:fld>
             <a:endParaRPr lang="zh-CN" altLang="en-US">
               <a:solidFill>
@@ -22361,7 +22361,7 @@
                 </a:solidFill>
               </a:rPr>
               <a:pPr/>
-              <a:t>2017/12/19</a:t>
+              <a:t>2017/12/20</a:t>
             </a:fld>
             <a:endParaRPr lang="zh-CN" altLang="en-US">
               <a:solidFill>
@@ -26065,7 +26065,7 @@
                 </a:solidFill>
               </a:rPr>
               <a:pPr/>
-              <a:t>2017/12/19</a:t>
+              <a:t>2017/12/20</a:t>
             </a:fld>
             <a:endParaRPr lang="zh-CN" altLang="en-US">
               <a:solidFill>
@@ -26199,7 +26199,7 @@
                 </a:solidFill>
               </a:rPr>
               <a:pPr/>
-              <a:t>2017/12/19</a:t>
+              <a:t>2017/12/20</a:t>
             </a:fld>
             <a:endParaRPr lang="zh-CN" altLang="en-US">
               <a:solidFill>
@@ -27028,7 +27028,7 @@
             <a:fld id="{B35E7478-ADE7-4480-A214-01473DFE0029}" type="datetimeFigureOut">
               <a:rPr lang="zh-CN" altLang="en-US" smtClean="0"/>
               <a:pPr/>
-              <a:t>2017/12/19</a:t>
+              <a:t>2017/12/20</a:t>
             </a:fld>
             <a:endParaRPr lang="zh-CN" altLang="en-US"/>
           </a:p>
@@ -32356,7 +32356,7 @@
             <a:fld id="{B35E7478-ADE7-4480-A214-01473DFE0029}" type="datetimeFigureOut">
               <a:rPr lang="zh-CN" altLang="en-US" smtClean="0"/>
               <a:pPr/>
-              <a:t>2017/12/19</a:t>
+              <a:t>2017/12/20</a:t>
             </a:fld>
             <a:endParaRPr lang="zh-CN" altLang="en-US"/>
           </a:p>
@@ -37710,7 +37710,7 @@
             <a:fld id="{B35E7478-ADE7-4480-A214-01473DFE0029}" type="datetimeFigureOut">
               <a:rPr lang="zh-CN" altLang="en-US" smtClean="0"/>
               <a:pPr/>
-              <a:t>2017/12/19</a:t>
+              <a:t>2017/12/20</a:t>
             </a:fld>
             <a:endParaRPr lang="zh-CN" altLang="en-US"/>
           </a:p>
@@ -37807,7 +37807,7 @@
             <a:fld id="{B35E7478-ADE7-4480-A214-01473DFE0029}" type="datetimeFigureOut">
               <a:rPr lang="zh-CN" altLang="en-US" smtClean="0"/>
               <a:pPr/>
-              <a:t>2017/12/19</a:t>
+              <a:t>2017/12/20</a:t>
             </a:fld>
             <a:endParaRPr lang="zh-CN" altLang="en-US"/>
           </a:p>
@@ -38093,7 +38093,7 @@
             <a:fld id="{B35E7478-ADE7-4480-A214-01473DFE0029}" type="datetimeFigureOut">
               <a:rPr lang="zh-CN" altLang="en-US" smtClean="0"/>
               <a:pPr/>
-              <a:t>2017/12/19</a:t>
+              <a:t>2017/12/20</a:t>
             </a:fld>
             <a:endParaRPr lang="zh-CN" altLang="en-US"/>
           </a:p>
@@ -38348,7 +38348,7 @@
             <a:fld id="{B35E7478-ADE7-4480-A214-01473DFE0029}" type="datetimeFigureOut">
               <a:rPr lang="zh-CN" altLang="en-US" smtClean="0"/>
               <a:pPr/>
-              <a:t>2017/12/19</a:t>
+              <a:t>2017/12/20</a:t>
             </a:fld>
             <a:endParaRPr lang="zh-CN" altLang="en-US"/>
           </a:p>
@@ -38520,7 +38520,7 @@
             <a:fld id="{B35E7478-ADE7-4480-A214-01473DFE0029}" type="datetimeFigureOut">
               <a:rPr lang="zh-CN" altLang="en-US" smtClean="0"/>
               <a:pPr/>
-              <a:t>2017/12/19</a:t>
+              <a:t>2017/12/20</a:t>
             </a:fld>
             <a:endParaRPr lang="zh-CN" altLang="en-US"/>
           </a:p>
@@ -38747,7 +38747,7 @@
             <a:fld id="{B35E7478-ADE7-4480-A214-01473DFE0029}" type="datetimeFigureOut">
               <a:rPr lang="zh-CN" altLang="en-US" smtClean="0"/>
               <a:pPr/>
-              <a:t>2017/12/19</a:t>
+              <a:t>2017/12/20</a:t>
             </a:fld>
             <a:endParaRPr lang="zh-CN" altLang="en-US"/>
           </a:p>
@@ -39283,7 +39283,7 @@
                 </a:solidFill>
               </a:rPr>
               <a:pPr/>
-              <a:t>2017/12/19</a:t>
+              <a:t>2017/12/20</a:t>
             </a:fld>
             <a:endParaRPr lang="zh-CN" altLang="en-US">
               <a:solidFill>
@@ -39705,12 +39705,8 @@
           <a:lstStyle/>
           <a:p>
             <a:r>
-              <a:rPr lang="en-US" altLang="zh-CN" dirty="0" smtClean="0"/>
-              <a:t>JSP</a:t>
-            </a:r>
-            <a:r>
-              <a:rPr lang="zh-CN" altLang="en-US" dirty="0" smtClean="0"/>
-              <a:t>基础</a:t>
+              <a:rPr lang="en-US" altLang="zh-CN" smtClean="0"/>
+              <a:t>Spring REST</a:t>
             </a:r>
             <a:endParaRPr lang="zh-CN" altLang="en-US" dirty="0"/>
           </a:p>
